--- a/imgs/moodeng.pptx
+++ b/imgs/moodeng.pptx
@@ -106,6 +106,11 @@
       </a:defRPr>
     </a:lvl9pPr>
   </p:defaultTextStyle>
+  <p:extLst>
+    <p:ext uri="{EFAFB233-063F-42B5-8137-9DF3F51BA10A}">
+      <p15:sldGuideLst xmlns:p15="http://schemas.microsoft.com/office/powerpoint/2012/main"/>
+    </p:ext>
+  </p:extLst>
 </p:presentation>
 </file>
 
@@ -6918,6 +6923,904 @@
           </p:txBody>
         </p:sp>
       </p:grpSp>
+      <p:grpSp>
+        <p:nvGrpSpPr>
+          <p:cNvPr id="17" name="Group 16">
+            <a:extLst>
+              <a:ext uri="{FF2B5EF4-FFF2-40B4-BE49-F238E27FC236}">
+                <a16:creationId xmlns:a16="http://schemas.microsoft.com/office/drawing/2014/main" id="{A4997454-637E-5870-CC18-6979AAF86FA3}"/>
+              </a:ext>
+            </a:extLst>
+          </p:cNvPr>
+          <p:cNvGrpSpPr/>
+          <p:nvPr/>
+        </p:nvGrpSpPr>
+        <p:grpSpPr>
+          <a:xfrm>
+            <a:off x="5426960" y="4106458"/>
+            <a:ext cx="539902" cy="274766"/>
+            <a:chOff x="3318145" y="1364591"/>
+            <a:chExt cx="5981865" cy="3044285"/>
+          </a:xfrm>
+        </p:grpSpPr>
+        <p:sp>
+          <p:nvSpPr>
+            <p:cNvPr id="18" name="Freeform 17">
+              <a:extLst>
+                <a:ext uri="{FF2B5EF4-FFF2-40B4-BE49-F238E27FC236}">
+                  <a16:creationId xmlns:a16="http://schemas.microsoft.com/office/drawing/2014/main" id="{DD601DE6-2848-72C7-FB3C-E71B5DA069D0}"/>
+                </a:ext>
+              </a:extLst>
+            </p:cNvPr>
+            <p:cNvSpPr/>
+            <p:nvPr/>
+          </p:nvSpPr>
+          <p:spPr>
+            <a:xfrm>
+              <a:off x="3790544" y="1364591"/>
+              <a:ext cx="5509466" cy="2707801"/>
+            </a:xfrm>
+            <a:custGeom>
+              <a:avLst/>
+              <a:gdLst>
+                <a:gd name="connsiteX0" fmla="*/ 1541310 w 5509466"/>
+                <a:gd name="connsiteY0" fmla="*/ 570 h 2707801"/>
+                <a:gd name="connsiteX1" fmla="*/ 3176926 w 5509466"/>
+                <a:gd name="connsiteY1" fmla="*/ 412694 h 2707801"/>
+                <a:gd name="connsiteX2" fmla="*/ 3704960 w 5509466"/>
+                <a:gd name="connsiteY2" fmla="*/ 322541 h 2707801"/>
+                <a:gd name="connsiteX3" fmla="*/ 4155721 w 5509466"/>
+                <a:gd name="connsiteY3" fmla="*/ 374057 h 2707801"/>
+                <a:gd name="connsiteX4" fmla="*/ 4606481 w 5509466"/>
+                <a:gd name="connsiteY4" fmla="*/ 348299 h 2707801"/>
+                <a:gd name="connsiteX5" fmla="*/ 5108757 w 5509466"/>
+                <a:gd name="connsiteY5" fmla="*/ 708908 h 2707801"/>
+                <a:gd name="connsiteX6" fmla="*/ 5443608 w 5509466"/>
+                <a:gd name="connsiteY6" fmla="*/ 799060 h 2707801"/>
+                <a:gd name="connsiteX7" fmla="*/ 5495124 w 5509466"/>
+                <a:gd name="connsiteY7" fmla="*/ 1224063 h 2707801"/>
+                <a:gd name="connsiteX8" fmla="*/ 5484287 w 5509466"/>
+                <a:gd name="connsiteY8" fmla="*/ 1259789 h 2707801"/>
+                <a:gd name="connsiteX9" fmla="*/ 5454073 w 5509466"/>
+                <a:gd name="connsiteY9" fmla="*/ 1296808 h 2707801"/>
+                <a:gd name="connsiteX10" fmla="*/ 5392093 w 5509466"/>
+                <a:gd name="connsiteY10" fmla="*/ 1339972 h 2707801"/>
+                <a:gd name="connsiteX11" fmla="*/ 5134515 w 5509466"/>
+                <a:gd name="connsiteY11" fmla="*/ 1211184 h 2707801"/>
+                <a:gd name="connsiteX12" fmla="*/ 4812543 w 5509466"/>
+                <a:gd name="connsiteY12" fmla="*/ 1417246 h 2707801"/>
+                <a:gd name="connsiteX13" fmla="*/ 4593602 w 5509466"/>
+                <a:gd name="connsiteY13" fmla="*/ 1636186 h 2707801"/>
+                <a:gd name="connsiteX14" fmla="*/ 4655884 w 5509466"/>
+                <a:gd name="connsiteY14" fmla="*/ 1714265 h 2707801"/>
+                <a:gd name="connsiteX15" fmla="*/ 4730026 w 5509466"/>
+                <a:gd name="connsiteY15" fmla="*/ 1774269 h 2707801"/>
+                <a:gd name="connsiteX16" fmla="*/ 4645118 w 5509466"/>
+                <a:gd name="connsiteY16" fmla="*/ 1810051 h 2707801"/>
+                <a:gd name="connsiteX17" fmla="*/ 4464814 w 5509466"/>
+                <a:gd name="connsiteY17" fmla="*/ 1880885 h 2707801"/>
+                <a:gd name="connsiteX18" fmla="*/ 4129963 w 5509466"/>
+                <a:gd name="connsiteY18" fmla="*/ 1945279 h 2707801"/>
+                <a:gd name="connsiteX19" fmla="*/ 4001174 w 5509466"/>
+                <a:gd name="connsiteY19" fmla="*/ 1919522 h 2707801"/>
+                <a:gd name="connsiteX20" fmla="*/ 3859507 w 5509466"/>
+                <a:gd name="connsiteY20" fmla="*/ 2138463 h 2707801"/>
+                <a:gd name="connsiteX21" fmla="*/ 3511777 w 5509466"/>
+                <a:gd name="connsiteY21" fmla="*/ 2254372 h 2707801"/>
+                <a:gd name="connsiteX22" fmla="*/ 3202684 w 5509466"/>
+                <a:gd name="connsiteY22" fmla="*/ 2576344 h 2707801"/>
+                <a:gd name="connsiteX23" fmla="*/ 2739045 w 5509466"/>
+                <a:gd name="connsiteY23" fmla="*/ 2692254 h 2707801"/>
+                <a:gd name="connsiteX24" fmla="*/ 1270853 w 5509466"/>
+                <a:gd name="connsiteY24" fmla="*/ 2614981 h 2707801"/>
+                <a:gd name="connsiteX25" fmla="*/ 85997 w 5509466"/>
+                <a:gd name="connsiteY25" fmla="*/ 1855127 h 2707801"/>
+                <a:gd name="connsiteX26" fmla="*/ 253422 w 5509466"/>
+                <a:gd name="connsiteY26" fmla="*/ 515724 h 2707801"/>
+                <a:gd name="connsiteX27" fmla="*/ 1541310 w 5509466"/>
+                <a:gd name="connsiteY27" fmla="*/ 570 h 2707801"/>
+              </a:gdLst>
+              <a:ahLst/>
+              <a:cxnLst>
+                <a:cxn ang="0">
+                  <a:pos x="connsiteX0" y="connsiteY0"/>
+                </a:cxn>
+                <a:cxn ang="0">
+                  <a:pos x="connsiteX1" y="connsiteY1"/>
+                </a:cxn>
+                <a:cxn ang="0">
+                  <a:pos x="connsiteX2" y="connsiteY2"/>
+                </a:cxn>
+                <a:cxn ang="0">
+                  <a:pos x="connsiteX3" y="connsiteY3"/>
+                </a:cxn>
+                <a:cxn ang="0">
+                  <a:pos x="connsiteX4" y="connsiteY4"/>
+                </a:cxn>
+                <a:cxn ang="0">
+                  <a:pos x="connsiteX5" y="connsiteY5"/>
+                </a:cxn>
+                <a:cxn ang="0">
+                  <a:pos x="connsiteX6" y="connsiteY6"/>
+                </a:cxn>
+                <a:cxn ang="0">
+                  <a:pos x="connsiteX7" y="connsiteY7"/>
+                </a:cxn>
+                <a:cxn ang="0">
+                  <a:pos x="connsiteX8" y="connsiteY8"/>
+                </a:cxn>
+                <a:cxn ang="0">
+                  <a:pos x="connsiteX9" y="connsiteY9"/>
+                </a:cxn>
+                <a:cxn ang="0">
+                  <a:pos x="connsiteX10" y="connsiteY10"/>
+                </a:cxn>
+                <a:cxn ang="0">
+                  <a:pos x="connsiteX11" y="connsiteY11"/>
+                </a:cxn>
+                <a:cxn ang="0">
+                  <a:pos x="connsiteX12" y="connsiteY12"/>
+                </a:cxn>
+                <a:cxn ang="0">
+                  <a:pos x="connsiteX13" y="connsiteY13"/>
+                </a:cxn>
+                <a:cxn ang="0">
+                  <a:pos x="connsiteX14" y="connsiteY14"/>
+                </a:cxn>
+                <a:cxn ang="0">
+                  <a:pos x="connsiteX15" y="connsiteY15"/>
+                </a:cxn>
+                <a:cxn ang="0">
+                  <a:pos x="connsiteX16" y="connsiteY16"/>
+                </a:cxn>
+                <a:cxn ang="0">
+                  <a:pos x="connsiteX17" y="connsiteY17"/>
+                </a:cxn>
+                <a:cxn ang="0">
+                  <a:pos x="connsiteX18" y="connsiteY18"/>
+                </a:cxn>
+                <a:cxn ang="0">
+                  <a:pos x="connsiteX19" y="connsiteY19"/>
+                </a:cxn>
+                <a:cxn ang="0">
+                  <a:pos x="connsiteX20" y="connsiteY20"/>
+                </a:cxn>
+                <a:cxn ang="0">
+                  <a:pos x="connsiteX21" y="connsiteY21"/>
+                </a:cxn>
+                <a:cxn ang="0">
+                  <a:pos x="connsiteX22" y="connsiteY22"/>
+                </a:cxn>
+                <a:cxn ang="0">
+                  <a:pos x="connsiteX23" y="connsiteY23"/>
+                </a:cxn>
+                <a:cxn ang="0">
+                  <a:pos x="connsiteX24" y="connsiteY24"/>
+                </a:cxn>
+                <a:cxn ang="0">
+                  <a:pos x="connsiteX25" y="connsiteY25"/>
+                </a:cxn>
+                <a:cxn ang="0">
+                  <a:pos x="connsiteX26" y="connsiteY26"/>
+                </a:cxn>
+                <a:cxn ang="0">
+                  <a:pos x="connsiteX27" y="connsiteY27"/>
+                </a:cxn>
+              </a:cxnLst>
+              <a:rect l="l" t="t" r="r" b="b"/>
+              <a:pathLst>
+                <a:path w="5509466" h="2707801">
+                  <a:moveTo>
+                    <a:pt x="1541310" y="570"/>
+                  </a:moveTo>
+                  <a:cubicBezTo>
+                    <a:pt x="2028561" y="-16602"/>
+                    <a:pt x="2816318" y="359032"/>
+                    <a:pt x="3176926" y="412694"/>
+                  </a:cubicBezTo>
+                  <a:cubicBezTo>
+                    <a:pt x="3537534" y="466356"/>
+                    <a:pt x="3541828" y="328980"/>
+                    <a:pt x="3704960" y="322541"/>
+                  </a:cubicBezTo>
+                  <a:cubicBezTo>
+                    <a:pt x="3868093" y="316101"/>
+                    <a:pt x="4005468" y="369764"/>
+                    <a:pt x="4155721" y="374057"/>
+                  </a:cubicBezTo>
+                  <a:cubicBezTo>
+                    <a:pt x="4305974" y="378350"/>
+                    <a:pt x="4447642" y="292491"/>
+                    <a:pt x="4606481" y="348299"/>
+                  </a:cubicBezTo>
+                  <a:cubicBezTo>
+                    <a:pt x="4765320" y="404107"/>
+                    <a:pt x="4969236" y="633781"/>
+                    <a:pt x="5108757" y="708908"/>
+                  </a:cubicBezTo>
+                  <a:cubicBezTo>
+                    <a:pt x="5248278" y="784035"/>
+                    <a:pt x="5379214" y="713201"/>
+                    <a:pt x="5443608" y="799060"/>
+                  </a:cubicBezTo>
+                  <a:cubicBezTo>
+                    <a:pt x="5508002" y="884919"/>
+                    <a:pt x="5525175" y="1103860"/>
+                    <a:pt x="5495124" y="1224063"/>
+                  </a:cubicBezTo>
+                  <a:lnTo>
+                    <a:pt x="5484287" y="1259789"/>
+                  </a:lnTo>
+                  <a:lnTo>
+                    <a:pt x="5454073" y="1296808"/>
+                  </a:lnTo>
+                  <a:cubicBezTo>
+                    <a:pt x="5433010" y="1320117"/>
+                    <a:pt x="5411948" y="1337289"/>
+                    <a:pt x="5392093" y="1339972"/>
+                  </a:cubicBezTo>
+                  <a:cubicBezTo>
+                    <a:pt x="5312673" y="1350704"/>
+                    <a:pt x="5231107" y="1198305"/>
+                    <a:pt x="5134515" y="1211184"/>
+                  </a:cubicBezTo>
+                  <a:cubicBezTo>
+                    <a:pt x="5037923" y="1224063"/>
+                    <a:pt x="4902695" y="1346412"/>
+                    <a:pt x="4812543" y="1417246"/>
+                  </a:cubicBezTo>
+                  <a:cubicBezTo>
+                    <a:pt x="4722391" y="1488080"/>
+                    <a:pt x="4554965" y="1552473"/>
+                    <a:pt x="4593602" y="1636186"/>
+                  </a:cubicBezTo>
+                  <a:cubicBezTo>
+                    <a:pt x="4603261" y="1657114"/>
+                    <a:pt x="4625397" y="1684616"/>
+                    <a:pt x="4655884" y="1714265"/>
+                  </a:cubicBezTo>
+                  <a:lnTo>
+                    <a:pt x="4730026" y="1774269"/>
+                  </a:lnTo>
+                  <a:lnTo>
+                    <a:pt x="4645118" y="1810051"/>
+                  </a:lnTo>
+                  <a:cubicBezTo>
+                    <a:pt x="4574821" y="1838626"/>
+                    <a:pt x="4512037" y="1863177"/>
+                    <a:pt x="4464814" y="1880885"/>
+                  </a:cubicBezTo>
+                  <a:cubicBezTo>
+                    <a:pt x="4275924" y="1951719"/>
+                    <a:pt x="4207236" y="1938839"/>
+                    <a:pt x="4129963" y="1945279"/>
+                  </a:cubicBezTo>
+                  <a:cubicBezTo>
+                    <a:pt x="4052690" y="1951719"/>
+                    <a:pt x="4046250" y="1887325"/>
+                    <a:pt x="4001174" y="1919522"/>
+                  </a:cubicBezTo>
+                  <a:cubicBezTo>
+                    <a:pt x="3956098" y="1951719"/>
+                    <a:pt x="3941073" y="2082655"/>
+                    <a:pt x="3859507" y="2138463"/>
+                  </a:cubicBezTo>
+                  <a:cubicBezTo>
+                    <a:pt x="3777941" y="2194271"/>
+                    <a:pt x="3621248" y="2181392"/>
+                    <a:pt x="3511777" y="2254372"/>
+                  </a:cubicBezTo>
+                  <a:cubicBezTo>
+                    <a:pt x="3402307" y="2327352"/>
+                    <a:pt x="3331473" y="2503364"/>
+                    <a:pt x="3202684" y="2576344"/>
+                  </a:cubicBezTo>
+                  <a:cubicBezTo>
+                    <a:pt x="3073895" y="2649324"/>
+                    <a:pt x="3058870" y="2687961"/>
+                    <a:pt x="2739045" y="2692254"/>
+                  </a:cubicBezTo>
+                  <a:cubicBezTo>
+                    <a:pt x="2419220" y="2696547"/>
+                    <a:pt x="1713028" y="2754502"/>
+                    <a:pt x="1270853" y="2614981"/>
+                  </a:cubicBezTo>
+                  <a:cubicBezTo>
+                    <a:pt x="828678" y="2475460"/>
+                    <a:pt x="255569" y="2205003"/>
+                    <a:pt x="85997" y="1855127"/>
+                  </a:cubicBezTo>
+                  <a:cubicBezTo>
+                    <a:pt x="-83575" y="1505251"/>
+                    <a:pt x="10870" y="824817"/>
+                    <a:pt x="253422" y="515724"/>
+                  </a:cubicBezTo>
+                  <a:cubicBezTo>
+                    <a:pt x="495974" y="206631"/>
+                    <a:pt x="1054059" y="17742"/>
+                    <a:pt x="1541310" y="570"/>
+                  </a:cubicBezTo>
+                  <a:close/>
+                </a:path>
+              </a:pathLst>
+            </a:custGeom>
+            <a:solidFill>
+              <a:schemeClr val="tx1">
+                <a:lumMod val="65000"/>
+                <a:lumOff val="35000"/>
+              </a:schemeClr>
+            </a:solidFill>
+            <a:ln>
+              <a:noFill/>
+            </a:ln>
+          </p:spPr>
+          <p:style>
+            <a:lnRef idx="2">
+              <a:schemeClr val="accent1">
+                <a:shade val="15000"/>
+              </a:schemeClr>
+            </a:lnRef>
+            <a:fillRef idx="1">
+              <a:schemeClr val="accent1"/>
+            </a:fillRef>
+            <a:effectRef idx="0">
+              <a:schemeClr val="accent1"/>
+            </a:effectRef>
+            <a:fontRef idx="minor">
+              <a:schemeClr val="lt1"/>
+            </a:fontRef>
+          </p:style>
+          <p:txBody>
+            <a:bodyPr wrap="square" rtlCol="0" anchor="ctr">
+              <a:noAutofit/>
+            </a:bodyPr>
+            <a:lstStyle/>
+            <a:p>
+              <a:pPr algn="ctr"/>
+              <a:endParaRPr lang="en-TH"/>
+            </a:p>
+          </p:txBody>
+        </p:sp>
+        <p:sp>
+          <p:nvSpPr>
+            <p:cNvPr id="19" name="Freeform 18">
+              <a:extLst>
+                <a:ext uri="{FF2B5EF4-FFF2-40B4-BE49-F238E27FC236}">
+                  <a16:creationId xmlns:a16="http://schemas.microsoft.com/office/drawing/2014/main" id="{68817BB3-EAF4-299F-2CAB-87D6670FAEB1}"/>
+                </a:ext>
+              </a:extLst>
+            </p:cNvPr>
+            <p:cNvSpPr/>
+            <p:nvPr/>
+          </p:nvSpPr>
+          <p:spPr>
+            <a:xfrm rot="15725001">
+              <a:off x="6741998" y="3088115"/>
+              <a:ext cx="1412465" cy="1172758"/>
+            </a:xfrm>
+            <a:custGeom>
+              <a:avLst/>
+              <a:gdLst>
+                <a:gd name="connsiteX0" fmla="*/ 1408690 w 1412460"/>
+                <a:gd name="connsiteY0" fmla="*/ 207522 h 1172763"/>
+                <a:gd name="connsiteX1" fmla="*/ 816262 w 1412460"/>
+                <a:gd name="connsiteY1" fmla="*/ 709799 h 1172763"/>
+                <a:gd name="connsiteX2" fmla="*/ 558685 w 1412460"/>
+                <a:gd name="connsiteY2" fmla="*/ 748435 h 1172763"/>
+                <a:gd name="connsiteX3" fmla="*/ 301107 w 1412460"/>
+                <a:gd name="connsiteY3" fmla="*/ 915861 h 1172763"/>
+                <a:gd name="connsiteX4" fmla="*/ 339744 w 1412460"/>
+                <a:gd name="connsiteY4" fmla="*/ 1160559 h 1172763"/>
+                <a:gd name="connsiteX5" fmla="*/ 146561 w 1412460"/>
+                <a:gd name="connsiteY5" fmla="*/ 1109044 h 1172763"/>
+                <a:gd name="connsiteX6" fmla="*/ 4893 w 1412460"/>
+                <a:gd name="connsiteY6" fmla="*/ 877224 h 1172763"/>
+                <a:gd name="connsiteX7" fmla="*/ 326865 w 1412460"/>
+                <a:gd name="connsiteY7" fmla="*/ 310553 h 1172763"/>
+                <a:gd name="connsiteX8" fmla="*/ 1035203 w 1412460"/>
+                <a:gd name="connsiteY8" fmla="*/ 1461 h 1172763"/>
+                <a:gd name="connsiteX9" fmla="*/ 1408690 w 1412460"/>
+                <a:gd name="connsiteY9" fmla="*/ 207522 h 1172763"/>
+              </a:gdLst>
+              <a:ahLst/>
+              <a:cxnLst>
+                <a:cxn ang="0">
+                  <a:pos x="connsiteX0" y="connsiteY0"/>
+                </a:cxn>
+                <a:cxn ang="0">
+                  <a:pos x="connsiteX1" y="connsiteY1"/>
+                </a:cxn>
+                <a:cxn ang="0">
+                  <a:pos x="connsiteX2" y="connsiteY2"/>
+                </a:cxn>
+                <a:cxn ang="0">
+                  <a:pos x="connsiteX3" y="connsiteY3"/>
+                </a:cxn>
+                <a:cxn ang="0">
+                  <a:pos x="connsiteX4" y="connsiteY4"/>
+                </a:cxn>
+                <a:cxn ang="0">
+                  <a:pos x="connsiteX5" y="connsiteY5"/>
+                </a:cxn>
+                <a:cxn ang="0">
+                  <a:pos x="connsiteX6" y="connsiteY6"/>
+                </a:cxn>
+                <a:cxn ang="0">
+                  <a:pos x="connsiteX7" y="connsiteY7"/>
+                </a:cxn>
+                <a:cxn ang="0">
+                  <a:pos x="connsiteX8" y="connsiteY8"/>
+                </a:cxn>
+                <a:cxn ang="0">
+                  <a:pos x="connsiteX9" y="connsiteY9"/>
+                </a:cxn>
+              </a:cxnLst>
+              <a:rect l="l" t="t" r="r" b="b"/>
+              <a:pathLst>
+                <a:path w="1412460" h="1172763">
+                  <a:moveTo>
+                    <a:pt x="1408690" y="207522"/>
+                  </a:moveTo>
+                  <a:cubicBezTo>
+                    <a:pt x="1372200" y="325578"/>
+                    <a:pt x="957929" y="619647"/>
+                    <a:pt x="816262" y="709799"/>
+                  </a:cubicBezTo>
+                  <a:cubicBezTo>
+                    <a:pt x="674595" y="799951"/>
+                    <a:pt x="644544" y="714091"/>
+                    <a:pt x="558685" y="748435"/>
+                  </a:cubicBezTo>
+                  <a:cubicBezTo>
+                    <a:pt x="472826" y="782779"/>
+                    <a:pt x="337597" y="847174"/>
+                    <a:pt x="301107" y="915861"/>
+                  </a:cubicBezTo>
+                  <a:cubicBezTo>
+                    <a:pt x="264617" y="984548"/>
+                    <a:pt x="365502" y="1128362"/>
+                    <a:pt x="339744" y="1160559"/>
+                  </a:cubicBezTo>
+                  <a:cubicBezTo>
+                    <a:pt x="313986" y="1192756"/>
+                    <a:pt x="202369" y="1156267"/>
+                    <a:pt x="146561" y="1109044"/>
+                  </a:cubicBezTo>
+                  <a:cubicBezTo>
+                    <a:pt x="90752" y="1061822"/>
+                    <a:pt x="-25158" y="1010306"/>
+                    <a:pt x="4893" y="877224"/>
+                  </a:cubicBezTo>
+                  <a:cubicBezTo>
+                    <a:pt x="34944" y="744142"/>
+                    <a:pt x="155147" y="456513"/>
+                    <a:pt x="326865" y="310553"/>
+                  </a:cubicBezTo>
+                  <a:cubicBezTo>
+                    <a:pt x="498583" y="164593"/>
+                    <a:pt x="861338" y="16486"/>
+                    <a:pt x="1035203" y="1461"/>
+                  </a:cubicBezTo>
+                  <a:cubicBezTo>
+                    <a:pt x="1209068" y="-13564"/>
+                    <a:pt x="1445180" y="89466"/>
+                    <a:pt x="1408690" y="207522"/>
+                  </a:cubicBezTo>
+                  <a:close/>
+                </a:path>
+              </a:pathLst>
+            </a:custGeom>
+            <a:solidFill>
+              <a:schemeClr val="tx1">
+                <a:lumMod val="65000"/>
+                <a:lumOff val="35000"/>
+              </a:schemeClr>
+            </a:solidFill>
+            <a:ln>
+              <a:noFill/>
+            </a:ln>
+          </p:spPr>
+          <p:style>
+            <a:lnRef idx="2">
+              <a:schemeClr val="accent1">
+                <a:shade val="15000"/>
+              </a:schemeClr>
+            </a:lnRef>
+            <a:fillRef idx="1">
+              <a:schemeClr val="accent1"/>
+            </a:fillRef>
+            <a:effectRef idx="0">
+              <a:schemeClr val="accent1"/>
+            </a:effectRef>
+            <a:fontRef idx="minor">
+              <a:schemeClr val="lt1"/>
+            </a:fontRef>
+          </p:style>
+          <p:txBody>
+            <a:bodyPr rtlCol="0" anchor="ctr"/>
+            <a:lstStyle/>
+            <a:p>
+              <a:pPr algn="ctr"/>
+              <a:endParaRPr lang="en-TH"/>
+            </a:p>
+          </p:txBody>
+        </p:sp>
+        <p:sp>
+          <p:nvSpPr>
+            <p:cNvPr id="20" name="Freeform 19">
+              <a:extLst>
+                <a:ext uri="{FF2B5EF4-FFF2-40B4-BE49-F238E27FC236}">
+                  <a16:creationId xmlns:a16="http://schemas.microsoft.com/office/drawing/2014/main" id="{54EB5CDF-41DC-784A-C61B-D6CA577B74B7}"/>
+                </a:ext>
+              </a:extLst>
+            </p:cNvPr>
+            <p:cNvSpPr/>
+            <p:nvPr/>
+          </p:nvSpPr>
+          <p:spPr>
+            <a:xfrm rot="3678946">
+              <a:off x="3833764" y="2908646"/>
+              <a:ext cx="1507061" cy="1493400"/>
+            </a:xfrm>
+            <a:custGeom>
+              <a:avLst/>
+              <a:gdLst>
+                <a:gd name="connsiteX0" fmla="*/ 211610 w 1507065"/>
+                <a:gd name="connsiteY0" fmla="*/ 5370 h 1493394"/>
+                <a:gd name="connsiteX1" fmla="*/ 31306 w 1507065"/>
+                <a:gd name="connsiteY1" fmla="*/ 636435 h 1493394"/>
+                <a:gd name="connsiteX2" fmla="*/ 713886 w 1507065"/>
+                <a:gd name="connsiteY2" fmla="*/ 1306136 h 1493394"/>
+                <a:gd name="connsiteX3" fmla="*/ 1486618 w 1507065"/>
+                <a:gd name="connsiteY3" fmla="*/ 1486441 h 1493394"/>
+                <a:gd name="connsiteX4" fmla="*/ 1254799 w 1507065"/>
+                <a:gd name="connsiteY4" fmla="*/ 1125832 h 1493394"/>
+                <a:gd name="connsiteX5" fmla="*/ 945706 w 1507065"/>
+                <a:gd name="connsiteY5" fmla="*/ 958407 h 1493394"/>
+                <a:gd name="connsiteX6" fmla="*/ 1061615 w 1507065"/>
+                <a:gd name="connsiteY6" fmla="*/ 365979 h 1493394"/>
+                <a:gd name="connsiteX7" fmla="*/ 211610 w 1507065"/>
+                <a:gd name="connsiteY7" fmla="*/ 5370 h 1493394"/>
+              </a:gdLst>
+              <a:ahLst/>
+              <a:cxnLst>
+                <a:cxn ang="0">
+                  <a:pos x="connsiteX0" y="connsiteY0"/>
+                </a:cxn>
+                <a:cxn ang="0">
+                  <a:pos x="connsiteX1" y="connsiteY1"/>
+                </a:cxn>
+                <a:cxn ang="0">
+                  <a:pos x="connsiteX2" y="connsiteY2"/>
+                </a:cxn>
+                <a:cxn ang="0">
+                  <a:pos x="connsiteX3" y="connsiteY3"/>
+                </a:cxn>
+                <a:cxn ang="0">
+                  <a:pos x="connsiteX4" y="connsiteY4"/>
+                </a:cxn>
+                <a:cxn ang="0">
+                  <a:pos x="connsiteX5" y="connsiteY5"/>
+                </a:cxn>
+                <a:cxn ang="0">
+                  <a:pos x="connsiteX6" y="connsiteY6"/>
+                </a:cxn>
+                <a:cxn ang="0">
+                  <a:pos x="connsiteX7" y="connsiteY7"/>
+                </a:cxn>
+              </a:cxnLst>
+              <a:rect l="l" t="t" r="r" b="b"/>
+              <a:pathLst>
+                <a:path w="1507065" h="1493394">
+                  <a:moveTo>
+                    <a:pt x="211610" y="5370"/>
+                  </a:moveTo>
+                  <a:cubicBezTo>
+                    <a:pt x="39892" y="50446"/>
+                    <a:pt x="-52407" y="419641"/>
+                    <a:pt x="31306" y="636435"/>
+                  </a:cubicBezTo>
+                  <a:cubicBezTo>
+                    <a:pt x="115019" y="853229"/>
+                    <a:pt x="471334" y="1164468"/>
+                    <a:pt x="713886" y="1306136"/>
+                  </a:cubicBezTo>
+                  <a:cubicBezTo>
+                    <a:pt x="956438" y="1447804"/>
+                    <a:pt x="1396466" y="1516492"/>
+                    <a:pt x="1486618" y="1486441"/>
+                  </a:cubicBezTo>
+                  <a:cubicBezTo>
+                    <a:pt x="1576770" y="1456390"/>
+                    <a:pt x="1344951" y="1213838"/>
+                    <a:pt x="1254799" y="1125832"/>
+                  </a:cubicBezTo>
+                  <a:cubicBezTo>
+                    <a:pt x="1164647" y="1037826"/>
+                    <a:pt x="977903" y="1085049"/>
+                    <a:pt x="945706" y="958407"/>
+                  </a:cubicBezTo>
+                  <a:cubicBezTo>
+                    <a:pt x="913509" y="831765"/>
+                    <a:pt x="1181818" y="522672"/>
+                    <a:pt x="1061615" y="365979"/>
+                  </a:cubicBezTo>
+                  <a:cubicBezTo>
+                    <a:pt x="941412" y="209286"/>
+                    <a:pt x="383328" y="-39706"/>
+                    <a:pt x="211610" y="5370"/>
+                  </a:cubicBezTo>
+                  <a:close/>
+                </a:path>
+              </a:pathLst>
+            </a:custGeom>
+            <a:solidFill>
+              <a:schemeClr val="tx1">
+                <a:lumMod val="65000"/>
+                <a:lumOff val="35000"/>
+              </a:schemeClr>
+            </a:solidFill>
+            <a:ln>
+              <a:noFill/>
+            </a:ln>
+          </p:spPr>
+          <p:style>
+            <a:lnRef idx="2">
+              <a:schemeClr val="accent1">
+                <a:shade val="15000"/>
+              </a:schemeClr>
+            </a:lnRef>
+            <a:fillRef idx="1">
+              <a:schemeClr val="accent1"/>
+            </a:fillRef>
+            <a:effectRef idx="0">
+              <a:schemeClr val="accent1"/>
+            </a:effectRef>
+            <a:fontRef idx="minor">
+              <a:schemeClr val="lt1"/>
+            </a:fontRef>
+          </p:style>
+          <p:txBody>
+            <a:bodyPr rtlCol="0" anchor="ctr"/>
+            <a:lstStyle/>
+            <a:p>
+              <a:pPr algn="ctr"/>
+              <a:endParaRPr lang="en-TH"/>
+            </a:p>
+          </p:txBody>
+        </p:sp>
+        <p:sp>
+          <p:nvSpPr>
+            <p:cNvPr id="21" name="Freeform 20">
+              <a:extLst>
+                <a:ext uri="{FF2B5EF4-FFF2-40B4-BE49-F238E27FC236}">
+                  <a16:creationId xmlns:a16="http://schemas.microsoft.com/office/drawing/2014/main" id="{6B27679B-51E3-7526-B3F3-BCE143CDEF22}"/>
+                </a:ext>
+              </a:extLst>
+            </p:cNvPr>
+            <p:cNvSpPr/>
+            <p:nvPr/>
+          </p:nvSpPr>
+          <p:spPr>
+            <a:xfrm rot="7386873">
+              <a:off x="3682207" y="1256023"/>
+              <a:ext cx="638249" cy="1366373"/>
+            </a:xfrm>
+            <a:custGeom>
+              <a:avLst/>
+              <a:gdLst>
+                <a:gd name="connsiteX0" fmla="*/ 609651 w 638249"/>
+                <a:gd name="connsiteY0" fmla="*/ 433 h 1366370"/>
+                <a:gd name="connsiteX1" fmla="*/ 68739 w 638249"/>
+                <a:gd name="connsiteY1" fmla="*/ 579983 h 1366370"/>
+                <a:gd name="connsiteX2" fmla="*/ 17223 w 638249"/>
+                <a:gd name="connsiteY2" fmla="*/ 1365594 h 1366370"/>
+                <a:gd name="connsiteX3" fmla="*/ 158891 w 638249"/>
+                <a:gd name="connsiteY3" fmla="*/ 721650 h 1366370"/>
+                <a:gd name="connsiteX4" fmla="*/ 519499 w 638249"/>
+                <a:gd name="connsiteY4" fmla="*/ 489830 h 1366370"/>
+                <a:gd name="connsiteX5" fmla="*/ 609651 w 638249"/>
+                <a:gd name="connsiteY5" fmla="*/ 433 h 1366370"/>
+              </a:gdLst>
+              <a:ahLst/>
+              <a:cxnLst>
+                <a:cxn ang="0">
+                  <a:pos x="connsiteX0" y="connsiteY0"/>
+                </a:cxn>
+                <a:cxn ang="0">
+                  <a:pos x="connsiteX1" y="connsiteY1"/>
+                </a:cxn>
+                <a:cxn ang="0">
+                  <a:pos x="connsiteX2" y="connsiteY2"/>
+                </a:cxn>
+                <a:cxn ang="0">
+                  <a:pos x="connsiteX3" y="connsiteY3"/>
+                </a:cxn>
+                <a:cxn ang="0">
+                  <a:pos x="connsiteX4" y="connsiteY4"/>
+                </a:cxn>
+                <a:cxn ang="0">
+                  <a:pos x="connsiteX5" y="connsiteY5"/>
+                </a:cxn>
+              </a:cxnLst>
+              <a:rect l="l" t="t" r="r" b="b"/>
+              <a:pathLst>
+                <a:path w="638249" h="1366370">
+                  <a:moveTo>
+                    <a:pt x="609651" y="433"/>
+                  </a:moveTo>
+                  <a:cubicBezTo>
+                    <a:pt x="534524" y="15458"/>
+                    <a:pt x="167477" y="352456"/>
+                    <a:pt x="68739" y="579983"/>
+                  </a:cubicBezTo>
+                  <a:cubicBezTo>
+                    <a:pt x="-29999" y="807510"/>
+                    <a:pt x="2198" y="1341983"/>
+                    <a:pt x="17223" y="1365594"/>
+                  </a:cubicBezTo>
+                  <a:cubicBezTo>
+                    <a:pt x="32248" y="1389205"/>
+                    <a:pt x="75178" y="867611"/>
+                    <a:pt x="158891" y="721650"/>
+                  </a:cubicBezTo>
+                  <a:cubicBezTo>
+                    <a:pt x="242604" y="575689"/>
+                    <a:pt x="442226" y="614326"/>
+                    <a:pt x="519499" y="489830"/>
+                  </a:cubicBezTo>
+                  <a:cubicBezTo>
+                    <a:pt x="596772" y="365334"/>
+                    <a:pt x="684778" y="-14592"/>
+                    <a:pt x="609651" y="433"/>
+                  </a:cubicBezTo>
+                  <a:close/>
+                </a:path>
+              </a:pathLst>
+            </a:custGeom>
+            <a:solidFill>
+              <a:schemeClr val="tx1">
+                <a:lumMod val="65000"/>
+                <a:lumOff val="35000"/>
+              </a:schemeClr>
+            </a:solidFill>
+            <a:ln>
+              <a:noFill/>
+            </a:ln>
+          </p:spPr>
+          <p:style>
+            <a:lnRef idx="2">
+              <a:schemeClr val="accent1">
+                <a:shade val="15000"/>
+              </a:schemeClr>
+            </a:lnRef>
+            <a:fillRef idx="1">
+              <a:schemeClr val="accent1"/>
+            </a:fillRef>
+            <a:effectRef idx="0">
+              <a:schemeClr val="accent1"/>
+            </a:effectRef>
+            <a:fontRef idx="minor">
+              <a:schemeClr val="lt1"/>
+            </a:fontRef>
+          </p:style>
+          <p:txBody>
+            <a:bodyPr rtlCol="0" anchor="ctr"/>
+            <a:lstStyle/>
+            <a:p>
+              <a:pPr algn="ctr"/>
+              <a:endParaRPr lang="en-TH"/>
+            </a:p>
+          </p:txBody>
+        </p:sp>
+        <p:sp>
+          <p:nvSpPr>
+            <p:cNvPr id="22" name="Oval 21">
+              <a:extLst>
+                <a:ext uri="{FF2B5EF4-FFF2-40B4-BE49-F238E27FC236}">
+                  <a16:creationId xmlns:a16="http://schemas.microsoft.com/office/drawing/2014/main" id="{9F811914-847C-AC79-B37C-A408CBD7EC43}"/>
+                </a:ext>
+              </a:extLst>
+            </p:cNvPr>
+            <p:cNvSpPr/>
+            <p:nvPr/>
+          </p:nvSpPr>
+          <p:spPr>
+            <a:xfrm>
+              <a:off x="8126304" y="1863007"/>
+              <a:ext cx="471533" cy="471533"/>
+            </a:xfrm>
+            <a:prstGeom prst="ellipse">
+              <a:avLst/>
+            </a:prstGeom>
+            <a:solidFill>
+              <a:schemeClr val="bg1"/>
+            </a:solidFill>
+            <a:ln>
+              <a:noFill/>
+            </a:ln>
+          </p:spPr>
+          <p:style>
+            <a:lnRef idx="2">
+              <a:schemeClr val="accent1">
+                <a:shade val="15000"/>
+              </a:schemeClr>
+            </a:lnRef>
+            <a:fillRef idx="1">
+              <a:schemeClr val="accent1"/>
+            </a:fillRef>
+            <a:effectRef idx="0">
+              <a:schemeClr val="accent1"/>
+            </a:effectRef>
+            <a:fontRef idx="minor">
+              <a:schemeClr val="lt1"/>
+            </a:fontRef>
+          </p:style>
+          <p:txBody>
+            <a:bodyPr rtlCol="0" anchor="ctr"/>
+            <a:lstStyle/>
+            <a:p>
+              <a:pPr algn="ctr"/>
+              <a:endParaRPr lang="en-TH"/>
+            </a:p>
+          </p:txBody>
+        </p:sp>
+        <p:sp>
+          <p:nvSpPr>
+            <p:cNvPr id="23" name="Oval 22">
+              <a:extLst>
+                <a:ext uri="{FF2B5EF4-FFF2-40B4-BE49-F238E27FC236}">
+                  <a16:creationId xmlns:a16="http://schemas.microsoft.com/office/drawing/2014/main" id="{795DC3D4-6FBD-F8DD-67FE-3C4C24F14830}"/>
+                </a:ext>
+              </a:extLst>
+            </p:cNvPr>
+            <p:cNvSpPr/>
+            <p:nvPr/>
+          </p:nvSpPr>
+          <p:spPr>
+            <a:xfrm>
+              <a:off x="8278704" y="1939206"/>
+              <a:ext cx="319133" cy="319133"/>
+            </a:xfrm>
+            <a:prstGeom prst="ellipse">
+              <a:avLst/>
+            </a:prstGeom>
+            <a:solidFill>
+              <a:schemeClr val="tx1">
+                <a:lumMod val="65000"/>
+                <a:lumOff val="35000"/>
+              </a:schemeClr>
+            </a:solidFill>
+            <a:ln>
+              <a:noFill/>
+            </a:ln>
+          </p:spPr>
+          <p:style>
+            <a:lnRef idx="2">
+              <a:schemeClr val="accent1">
+                <a:shade val="15000"/>
+              </a:schemeClr>
+            </a:lnRef>
+            <a:fillRef idx="1">
+              <a:schemeClr val="accent1"/>
+            </a:fillRef>
+            <a:effectRef idx="0">
+              <a:schemeClr val="accent1"/>
+            </a:effectRef>
+            <a:fontRef idx="minor">
+              <a:schemeClr val="lt1"/>
+            </a:fontRef>
+          </p:style>
+          <p:txBody>
+            <a:bodyPr rtlCol="0" anchor="ctr"/>
+            <a:lstStyle/>
+            <a:p>
+              <a:pPr algn="ctr"/>
+              <a:endParaRPr lang="en-TH"/>
+            </a:p>
+          </p:txBody>
+        </p:sp>
+      </p:grpSp>
     </p:spTree>
     <p:extLst>
       <p:ext uri="{BB962C8B-B14F-4D97-AF65-F5344CB8AC3E}">
